--- a/data/公众号海报设计.pptx
+++ b/data/公众号海报设计.pptx
@@ -5,7 +5,7 @@
     <p:sldMasterId id="2147483648" r:id="rId1"/>
   </p:sldMasterIdLst>
   <p:notesMasterIdLst>
-    <p:notesMasterId r:id="rId8"/>
+    <p:notesMasterId r:id="rId9"/>
   </p:notesMasterIdLst>
   <p:sldIdLst>
     <p:sldId id="256" r:id="rId2"/>
@@ -13,7 +13,8 @@
     <p:sldId id="261" r:id="rId4"/>
     <p:sldId id="258" r:id="rId5"/>
     <p:sldId id="262" r:id="rId6"/>
-    <p:sldId id="260" r:id="rId7"/>
+    <p:sldId id="263" r:id="rId7"/>
+    <p:sldId id="260" r:id="rId8"/>
   </p:sldIdLst>
   <p:sldSz cx="12192000" cy="6858000"/>
   <p:notesSz cx="6858000" cy="9144000"/>
@@ -202,7 +203,7 @@
           <a:p>
             <a:fld id="{C2F7809B-D548-F14A-A68B-7F68042705BF}" type="datetimeFigureOut">
               <a:rPr kumimoji="1" lang="zh-CN" altLang="en-US" smtClean="0"/>
-              <a:t>2020/12/27</a:t>
+              <a:t>2022/8/17</a:t>
             </a:fld>
             <a:endParaRPr kumimoji="1" lang="zh-CN" altLang="en-US"/>
           </a:p>
@@ -509,7 +510,7 @@
           <a:p>
             <a:fld id="{215D10A3-B561-D743-BC1B-B4D03E886E2E}" type="slidenum">
               <a:rPr kumimoji="1" lang="zh-CN" altLang="en-US" smtClean="0"/>
-              <a:t>6</a:t>
+              <a:t>7</a:t>
             </a:fld>
             <a:endParaRPr kumimoji="1" lang="zh-CN" altLang="en-US"/>
           </a:p>
@@ -675,7 +676,7 @@
           <a:p>
             <a:fld id="{70B13184-F49F-6D49-86F2-0D87E7651497}" type="datetimeFigureOut">
               <a:rPr kumimoji="1" lang="zh-CN" altLang="en-US" smtClean="0"/>
-              <a:t>2020/12/27</a:t>
+              <a:t>2022/8/17</a:t>
             </a:fld>
             <a:endParaRPr kumimoji="1" lang="zh-CN" altLang="en-US"/>
           </a:p>
@@ -848,7 +849,7 @@
           <a:p>
             <a:fld id="{70B13184-F49F-6D49-86F2-0D87E7651497}" type="datetimeFigureOut">
               <a:rPr kumimoji="1" lang="zh-CN" altLang="en-US" smtClean="0"/>
-              <a:t>2020/12/27</a:t>
+              <a:t>2022/8/17</a:t>
             </a:fld>
             <a:endParaRPr kumimoji="1" lang="zh-CN" altLang="en-US"/>
           </a:p>
@@ -1031,7 +1032,7 @@
           <a:p>
             <a:fld id="{70B13184-F49F-6D49-86F2-0D87E7651497}" type="datetimeFigureOut">
               <a:rPr kumimoji="1" lang="zh-CN" altLang="en-US" smtClean="0"/>
-              <a:t>2020/12/27</a:t>
+              <a:t>2022/8/17</a:t>
             </a:fld>
             <a:endParaRPr kumimoji="1" lang="zh-CN" altLang="en-US"/>
           </a:p>
@@ -1204,7 +1205,7 @@
           <a:p>
             <a:fld id="{70B13184-F49F-6D49-86F2-0D87E7651497}" type="datetimeFigureOut">
               <a:rPr kumimoji="1" lang="zh-CN" altLang="en-US" smtClean="0"/>
-              <a:t>2020/12/27</a:t>
+              <a:t>2022/8/17</a:t>
             </a:fld>
             <a:endParaRPr kumimoji="1" lang="zh-CN" altLang="en-US"/>
           </a:p>
@@ -1482,7 +1483,7 @@
           <a:p>
             <a:fld id="{70B13184-F49F-6D49-86F2-0D87E7651497}" type="datetimeFigureOut">
               <a:rPr kumimoji="1" lang="zh-CN" altLang="en-US" smtClean="0"/>
-              <a:t>2020/12/27</a:t>
+              <a:t>2022/8/17</a:t>
             </a:fld>
             <a:endParaRPr kumimoji="1" lang="zh-CN" altLang="en-US"/>
           </a:p>
@@ -1697,7 +1698,7 @@
           <a:p>
             <a:fld id="{70B13184-F49F-6D49-86F2-0D87E7651497}" type="datetimeFigureOut">
               <a:rPr kumimoji="1" lang="zh-CN" altLang="en-US" smtClean="0"/>
-              <a:t>2020/12/27</a:t>
+              <a:t>2022/8/17</a:t>
             </a:fld>
             <a:endParaRPr kumimoji="1" lang="zh-CN" altLang="en-US"/>
           </a:p>
@@ -2065,7 +2066,7 @@
           <a:p>
             <a:fld id="{70B13184-F49F-6D49-86F2-0D87E7651497}" type="datetimeFigureOut">
               <a:rPr kumimoji="1" lang="zh-CN" altLang="en-US" smtClean="0"/>
-              <a:t>2020/12/27</a:t>
+              <a:t>2022/8/17</a:t>
             </a:fld>
             <a:endParaRPr kumimoji="1" lang="zh-CN" altLang="en-US"/>
           </a:p>
@@ -2206,7 +2207,7 @@
           <a:p>
             <a:fld id="{70B13184-F49F-6D49-86F2-0D87E7651497}" type="datetimeFigureOut">
               <a:rPr kumimoji="1" lang="zh-CN" altLang="en-US" smtClean="0"/>
-              <a:t>2020/12/27</a:t>
+              <a:t>2022/8/17</a:t>
             </a:fld>
             <a:endParaRPr kumimoji="1" lang="zh-CN" altLang="en-US"/>
           </a:p>
@@ -2319,7 +2320,7 @@
           <a:p>
             <a:fld id="{70B13184-F49F-6D49-86F2-0D87E7651497}" type="datetimeFigureOut">
               <a:rPr kumimoji="1" lang="zh-CN" altLang="en-US" smtClean="0"/>
-              <a:t>2020/12/27</a:t>
+              <a:t>2022/8/17</a:t>
             </a:fld>
             <a:endParaRPr kumimoji="1" lang="zh-CN" altLang="en-US"/>
           </a:p>
@@ -2608,7 +2609,7 @@
           <a:p>
             <a:fld id="{70B13184-F49F-6D49-86F2-0D87E7651497}" type="datetimeFigureOut">
               <a:rPr kumimoji="1" lang="zh-CN" altLang="en-US" smtClean="0"/>
-              <a:t>2020/12/27</a:t>
+              <a:t>2022/8/17</a:t>
             </a:fld>
             <a:endParaRPr kumimoji="1" lang="zh-CN" altLang="en-US"/>
           </a:p>
@@ -2899,7 +2900,7 @@
           <a:p>
             <a:fld id="{70B13184-F49F-6D49-86F2-0D87E7651497}" type="datetimeFigureOut">
               <a:rPr kumimoji="1" lang="zh-CN" altLang="en-US" smtClean="0"/>
-              <a:t>2020/12/27</a:t>
+              <a:t>2022/8/17</a:t>
             </a:fld>
             <a:endParaRPr kumimoji="1" lang="zh-CN" altLang="en-US"/>
           </a:p>
@@ -3115,7 +3116,7 @@
           <a:p>
             <a:fld id="{70B13184-F49F-6D49-86F2-0D87E7651497}" type="datetimeFigureOut">
               <a:rPr kumimoji="1" lang="zh-CN" altLang="en-US" smtClean="0"/>
-              <a:t>2020/12/27</a:t>
+              <a:t>2022/8/17</a:t>
             </a:fld>
             <a:endParaRPr kumimoji="1" lang="zh-CN" altLang="en-US"/>
           </a:p>
@@ -5475,6 +5476,311 @@
 </file>
 
 <file path=ppt/slides/slide6.xml><?xml version="1.0" encoding="utf-8"?>
+<p:sld xmlns:a="http://schemas.openxmlformats.org/drawingml/2006/main" xmlns:r="http://schemas.openxmlformats.org/officeDocument/2006/relationships" xmlns:p="http://schemas.openxmlformats.org/presentationml/2006/main">
+  <p:cSld>
+    <p:spTree>
+      <p:nvGrpSpPr>
+        <p:cNvPr id="1" name=""/>
+        <p:cNvGrpSpPr/>
+        <p:nvPr/>
+      </p:nvGrpSpPr>
+      <p:grpSpPr>
+        <a:xfrm>
+          <a:off x="0" y="0"/>
+          <a:ext cx="0" cy="0"/>
+          <a:chOff x="0" y="0"/>
+          <a:chExt cx="0" cy="0"/>
+        </a:xfrm>
+      </p:grpSpPr>
+      <p:pic>
+        <p:nvPicPr>
+          <p:cNvPr id="5" name="图片 4">
+            <a:extLst>
+              <a:ext uri="{FF2B5EF4-FFF2-40B4-BE49-F238E27FC236}">
+                <a16:creationId xmlns:a16="http://schemas.microsoft.com/office/drawing/2014/main" id="{AEE8295D-244D-0B40-82E5-D2410A8DA886}"/>
+              </a:ext>
+            </a:extLst>
+          </p:cNvPr>
+          <p:cNvPicPr>
+            <a:picLocks noChangeAspect="1"/>
+          </p:cNvPicPr>
+          <p:nvPr/>
+        </p:nvPicPr>
+        <p:blipFill>
+          <a:blip r:embed="rId2"/>
+          <a:stretch>
+            <a:fillRect/>
+          </a:stretch>
+        </p:blipFill>
+        <p:spPr>
+          <a:xfrm>
+            <a:off x="0" y="0"/>
+            <a:ext cx="12192000" cy="6858000"/>
+          </a:xfrm>
+          <a:prstGeom prst="rect">
+            <a:avLst/>
+          </a:prstGeom>
+        </p:spPr>
+      </p:pic>
+      <p:sp>
+        <p:nvSpPr>
+          <p:cNvPr id="6" name="矩形 5">
+            <a:extLst>
+              <a:ext uri="{FF2B5EF4-FFF2-40B4-BE49-F238E27FC236}">
+                <a16:creationId xmlns:a16="http://schemas.microsoft.com/office/drawing/2014/main" id="{DD0ECA0A-2F52-4E47-B096-38FC6ABD9B32}"/>
+              </a:ext>
+            </a:extLst>
+          </p:cNvPr>
+          <p:cNvSpPr/>
+          <p:nvPr/>
+        </p:nvSpPr>
+        <p:spPr>
+          <a:xfrm>
+            <a:off x="4913147" y="1609743"/>
+            <a:ext cx="2365706" cy="1015663"/>
+          </a:xfrm>
+          <a:prstGeom prst="rect">
+            <a:avLst/>
+          </a:prstGeom>
+          <a:noFill/>
+        </p:spPr>
+        <p:txBody>
+          <a:bodyPr wrap="square" lIns="91440" tIns="45720" rIns="91440" bIns="45720">
+            <a:spAutoFit/>
+          </a:bodyPr>
+          <a:lstStyle/>
+          <a:p>
+            <a:pPr algn="ctr"/>
+            <a:r>
+              <a:rPr lang="en-US" altLang="zh-CN" sz="6000" b="1" cap="none" spc="0" dirty="0">
+                <a:ln w="10160">
+                  <a:solidFill>
+                    <a:schemeClr val="accent5"/>
+                  </a:solidFill>
+                  <a:prstDash val="solid"/>
+                </a:ln>
+                <a:solidFill>
+                  <a:srgbClr val="FFFFFF"/>
+                </a:solidFill>
+                <a:effectLst>
+                  <a:outerShdw blurRad="38100" dist="22860" dir="5400000" algn="tl" rotWithShape="0">
+                    <a:srgbClr val="000000">
+                      <a:alpha val="30000"/>
+                    </a:srgbClr>
+                  </a:outerShdw>
+                </a:effectLst>
+                <a:latin typeface="Microsoft YaHei" panose="020B0503020204020204" pitchFamily="34" charset="-122"/>
+                <a:ea typeface="Microsoft YaHei" panose="020B0503020204020204" pitchFamily="34" charset="-122"/>
+              </a:rPr>
+              <a:t>Eat</a:t>
+            </a:r>
+            <a:r>
+              <a:rPr lang="zh-CN" altLang="en-US" sz="6000" b="1" cap="none" spc="0" dirty="0">
+                <a:ln w="10160">
+                  <a:solidFill>
+                    <a:schemeClr val="accent5"/>
+                  </a:solidFill>
+                  <a:prstDash val="solid"/>
+                </a:ln>
+                <a:solidFill>
+                  <a:srgbClr val="FFFFFF"/>
+                </a:solidFill>
+                <a:effectLst>
+                  <a:outerShdw blurRad="38100" dist="22860" dir="5400000" algn="tl" rotWithShape="0">
+                    <a:srgbClr val="000000">
+                      <a:alpha val="30000"/>
+                    </a:srgbClr>
+                  </a:outerShdw>
+                </a:effectLst>
+                <a:latin typeface="Microsoft YaHei" panose="020B0503020204020204" pitchFamily="34" charset="-122"/>
+                <a:ea typeface="Microsoft YaHei" panose="020B0503020204020204" pitchFamily="34" charset="-122"/>
+              </a:rPr>
+              <a:t> </a:t>
+            </a:r>
+          </a:p>
+        </p:txBody>
+      </p:sp>
+      <p:sp>
+        <p:nvSpPr>
+          <p:cNvPr id="7" name="矩形 6">
+            <a:extLst>
+              <a:ext uri="{FF2B5EF4-FFF2-40B4-BE49-F238E27FC236}">
+                <a16:creationId xmlns:a16="http://schemas.microsoft.com/office/drawing/2014/main" id="{78ED115D-B240-0A40-91A4-88BC65DA2B0B}"/>
+              </a:ext>
+            </a:extLst>
+          </p:cNvPr>
+          <p:cNvSpPr/>
+          <p:nvPr/>
+        </p:nvSpPr>
+        <p:spPr>
+          <a:xfrm>
+            <a:off x="2153653" y="4601926"/>
+            <a:ext cx="8277725" cy="830997"/>
+          </a:xfrm>
+          <a:prstGeom prst="rect">
+            <a:avLst/>
+          </a:prstGeom>
+          <a:noFill/>
+        </p:spPr>
+        <p:txBody>
+          <a:bodyPr wrap="square" lIns="91440" tIns="45720" rIns="91440" bIns="45720">
+            <a:spAutoFit/>
+          </a:bodyPr>
+          <a:lstStyle/>
+          <a:p>
+            <a:pPr algn="ctr"/>
+            <a:r>
+              <a:rPr lang="en-US" altLang="zh-CN" sz="4800" b="1" dirty="0">
+                <a:ln w="10160">
+                  <a:solidFill>
+                    <a:schemeClr val="accent5"/>
+                  </a:solidFill>
+                  <a:prstDash val="solid"/>
+                </a:ln>
+                <a:solidFill>
+                  <a:srgbClr val="FFFFFF"/>
+                </a:solidFill>
+                <a:effectLst>
+                  <a:outerShdw blurRad="38100" dist="22860" dir="5400000" algn="tl" rotWithShape="0">
+                    <a:srgbClr val="000000">
+                      <a:alpha val="30000"/>
+                    </a:srgbClr>
+                  </a:outerShdw>
+                </a:effectLst>
+                <a:latin typeface="Microsoft YaHei" panose="020B0503020204020204" pitchFamily="34" charset="-122"/>
+                <a:ea typeface="Microsoft YaHei" panose="020B0503020204020204" pitchFamily="34" charset="-122"/>
+              </a:rPr>
+              <a:t>In</a:t>
+            </a:r>
+            <a:r>
+              <a:rPr lang="zh-CN" altLang="en-US" sz="4800" b="1" dirty="0">
+                <a:ln w="10160">
+                  <a:solidFill>
+                    <a:schemeClr val="accent5"/>
+                  </a:solidFill>
+                  <a:prstDash val="solid"/>
+                </a:ln>
+                <a:solidFill>
+                  <a:srgbClr val="FFFFFF"/>
+                </a:solidFill>
+                <a:effectLst>
+                  <a:outerShdw blurRad="38100" dist="22860" dir="5400000" algn="tl" rotWithShape="0">
+                    <a:srgbClr val="000000">
+                      <a:alpha val="30000"/>
+                    </a:srgbClr>
+                  </a:outerShdw>
+                </a:effectLst>
+                <a:latin typeface="Microsoft YaHei" panose="020B0503020204020204" pitchFamily="34" charset="-122"/>
+                <a:ea typeface="Microsoft YaHei" panose="020B0503020204020204" pitchFamily="34" charset="-122"/>
+              </a:rPr>
+              <a:t> </a:t>
+            </a:r>
+            <a:r>
+              <a:rPr lang="en-US" altLang="zh-CN" sz="4800" b="1" dirty="0">
+                <a:ln w="10160">
+                  <a:solidFill>
+                    <a:schemeClr val="accent5"/>
+                  </a:solidFill>
+                  <a:prstDash val="solid"/>
+                </a:ln>
+                <a:solidFill>
+                  <a:srgbClr val="FFFFFF"/>
+                </a:solidFill>
+                <a:effectLst>
+                  <a:outerShdw blurRad="38100" dist="22860" dir="5400000" algn="tl" rotWithShape="0">
+                    <a:srgbClr val="000000">
+                      <a:alpha val="30000"/>
+                    </a:srgbClr>
+                  </a:outerShdw>
+                </a:effectLst>
+                <a:latin typeface="Microsoft YaHei" panose="020B0503020204020204" pitchFamily="34" charset="-122"/>
+                <a:ea typeface="Microsoft YaHei" panose="020B0503020204020204" pitchFamily="34" charset="-122"/>
+              </a:rPr>
+              <a:t>20</a:t>
+            </a:r>
+            <a:r>
+              <a:rPr lang="zh-CN" altLang="en-US" sz="4800" b="1" dirty="0">
+                <a:ln w="10160">
+                  <a:solidFill>
+                    <a:schemeClr val="accent5"/>
+                  </a:solidFill>
+                  <a:prstDash val="solid"/>
+                </a:ln>
+                <a:solidFill>
+                  <a:srgbClr val="FFFFFF"/>
+                </a:solidFill>
+                <a:effectLst>
+                  <a:outerShdw blurRad="38100" dist="22860" dir="5400000" algn="tl" rotWithShape="0">
+                    <a:srgbClr val="000000">
+                      <a:alpha val="30000"/>
+                    </a:srgbClr>
+                  </a:outerShdw>
+                </a:effectLst>
+                <a:latin typeface="Microsoft YaHei" panose="020B0503020204020204" pitchFamily="34" charset="-122"/>
+                <a:ea typeface="Microsoft YaHei" panose="020B0503020204020204" pitchFamily="34" charset="-122"/>
+              </a:rPr>
+              <a:t> </a:t>
+            </a:r>
+            <a:r>
+              <a:rPr lang="en-US" altLang="zh-CN" sz="4800" b="1" dirty="0">
+                <a:ln w="10160">
+                  <a:solidFill>
+                    <a:schemeClr val="accent5"/>
+                  </a:solidFill>
+                  <a:prstDash val="solid"/>
+                </a:ln>
+                <a:solidFill>
+                  <a:srgbClr val="FFFFFF"/>
+                </a:solidFill>
+                <a:effectLst>
+                  <a:outerShdw blurRad="38100" dist="22860" dir="5400000" algn="tl" rotWithShape="0">
+                    <a:srgbClr val="000000">
+                      <a:alpha val="30000"/>
+                    </a:srgbClr>
+                  </a:outerShdw>
+                </a:effectLst>
+                <a:latin typeface="Microsoft YaHei" panose="020B0503020204020204" pitchFamily="34" charset="-122"/>
+                <a:ea typeface="Microsoft YaHei" panose="020B0503020204020204" pitchFamily="34" charset="-122"/>
+              </a:rPr>
+              <a:t>days</a:t>
+            </a:r>
+            <a:endParaRPr lang="zh-CN" altLang="en-US" sz="4800" b="1" cap="none" spc="0" dirty="0">
+              <a:ln w="10160">
+                <a:solidFill>
+                  <a:schemeClr val="accent5"/>
+                </a:solidFill>
+                <a:prstDash val="solid"/>
+              </a:ln>
+              <a:solidFill>
+                <a:srgbClr val="FFFFFF"/>
+              </a:solidFill>
+              <a:effectLst>
+                <a:outerShdw blurRad="38100" dist="22860" dir="5400000" algn="tl" rotWithShape="0">
+                  <a:srgbClr val="000000">
+                    <a:alpha val="30000"/>
+                  </a:srgbClr>
+                </a:outerShdw>
+              </a:effectLst>
+              <a:latin typeface="Microsoft YaHei" panose="020B0503020204020204" pitchFamily="34" charset="-122"/>
+              <a:ea typeface="Microsoft YaHei" panose="020B0503020204020204" pitchFamily="34" charset="-122"/>
+            </a:endParaRPr>
+          </a:p>
+        </p:txBody>
+      </p:sp>
+    </p:spTree>
+    <p:extLst>
+      <p:ext uri="{BB962C8B-B14F-4D97-AF65-F5344CB8AC3E}">
+        <p14:creationId xmlns:p14="http://schemas.microsoft.com/office/powerpoint/2010/main" val="2298950958"/>
+      </p:ext>
+    </p:extLst>
+  </p:cSld>
+  <p:clrMapOvr>
+    <a:masterClrMapping/>
+  </p:clrMapOvr>
+</p:sld>
+</file>
+
+<file path=ppt/slides/slide7.xml><?xml version="1.0" encoding="utf-8"?>
 <p:sld xmlns:a="http://schemas.openxmlformats.org/drawingml/2006/main" xmlns:r="http://schemas.openxmlformats.org/officeDocument/2006/relationships" xmlns:p="http://schemas.openxmlformats.org/presentationml/2006/main">
   <p:cSld>
     <p:spTree>
